--- a/my_data/create_image/creater.pptx
+++ b/my_data/create_image/creater.pptx
@@ -7,6 +7,7 @@
   <p:sldIdLst>
     <p:sldId id="257" r:id="rId2"/>
     <p:sldId id="256" r:id="rId3"/>
+    <p:sldId id="258" r:id="rId4"/>
   </p:sldIdLst>
   <p:sldSz cx="12192000" cy="6858000"/>
   <p:notesSz cx="6858000" cy="9144000"/>
@@ -105,6 +106,11 @@
       </a:defRPr>
     </a:lvl9pPr>
   </p:defaultTextStyle>
+  <p:extLst>
+    <p:ext uri="{EFAFB233-063F-42B5-8137-9DF3F51BA10A}">
+      <p15:sldGuideLst xmlns:p15="http://schemas.microsoft.com/office/powerpoint/2012/main"/>
+    </p:ext>
+  </p:extLst>
 </p:presentation>
 </file>
 
@@ -255,7 +261,7 @@
           <a:p>
             <a:fld id="{6555ACD6-2BC3-46CB-8D96-AF99823B5D1C}" type="datetimeFigureOut">
               <a:rPr lang="en-US" smtClean="0"/>
-              <a:t>9/27/2023</a:t>
+              <a:t>10/3/2023</a:t>
             </a:fld>
             <a:endParaRPr lang="en-US"/>
           </a:p>
@@ -453,7 +459,7 @@
           <a:p>
             <a:fld id="{6555ACD6-2BC3-46CB-8D96-AF99823B5D1C}" type="datetimeFigureOut">
               <a:rPr lang="en-US" smtClean="0"/>
-              <a:t>9/27/2023</a:t>
+              <a:t>10/3/2023</a:t>
             </a:fld>
             <a:endParaRPr lang="en-US"/>
           </a:p>
@@ -661,7 +667,7 @@
           <a:p>
             <a:fld id="{6555ACD6-2BC3-46CB-8D96-AF99823B5D1C}" type="datetimeFigureOut">
               <a:rPr lang="en-US" smtClean="0"/>
-              <a:t>9/27/2023</a:t>
+              <a:t>10/3/2023</a:t>
             </a:fld>
             <a:endParaRPr lang="en-US"/>
           </a:p>
@@ -859,7 +865,7 @@
           <a:p>
             <a:fld id="{6555ACD6-2BC3-46CB-8D96-AF99823B5D1C}" type="datetimeFigureOut">
               <a:rPr lang="en-US" smtClean="0"/>
-              <a:t>9/27/2023</a:t>
+              <a:t>10/3/2023</a:t>
             </a:fld>
             <a:endParaRPr lang="en-US"/>
           </a:p>
@@ -1134,7 +1140,7 @@
           <a:p>
             <a:fld id="{6555ACD6-2BC3-46CB-8D96-AF99823B5D1C}" type="datetimeFigureOut">
               <a:rPr lang="en-US" smtClean="0"/>
-              <a:t>9/27/2023</a:t>
+              <a:t>10/3/2023</a:t>
             </a:fld>
             <a:endParaRPr lang="en-US"/>
           </a:p>
@@ -1399,7 +1405,7 @@
           <a:p>
             <a:fld id="{6555ACD6-2BC3-46CB-8D96-AF99823B5D1C}" type="datetimeFigureOut">
               <a:rPr lang="en-US" smtClean="0"/>
-              <a:t>9/27/2023</a:t>
+              <a:t>10/3/2023</a:t>
             </a:fld>
             <a:endParaRPr lang="en-US"/>
           </a:p>
@@ -1811,7 +1817,7 @@
           <a:p>
             <a:fld id="{6555ACD6-2BC3-46CB-8D96-AF99823B5D1C}" type="datetimeFigureOut">
               <a:rPr lang="en-US" smtClean="0"/>
-              <a:t>9/27/2023</a:t>
+              <a:t>10/3/2023</a:t>
             </a:fld>
             <a:endParaRPr lang="en-US"/>
           </a:p>
@@ -1952,7 +1958,7 @@
           <a:p>
             <a:fld id="{6555ACD6-2BC3-46CB-8D96-AF99823B5D1C}" type="datetimeFigureOut">
               <a:rPr lang="en-US" smtClean="0"/>
-              <a:t>9/27/2023</a:t>
+              <a:t>10/3/2023</a:t>
             </a:fld>
             <a:endParaRPr lang="en-US"/>
           </a:p>
@@ -2065,7 +2071,7 @@
           <a:p>
             <a:fld id="{6555ACD6-2BC3-46CB-8D96-AF99823B5D1C}" type="datetimeFigureOut">
               <a:rPr lang="en-US" smtClean="0"/>
-              <a:t>9/27/2023</a:t>
+              <a:t>10/3/2023</a:t>
             </a:fld>
             <a:endParaRPr lang="en-US"/>
           </a:p>
@@ -2376,7 +2382,7 @@
           <a:p>
             <a:fld id="{6555ACD6-2BC3-46CB-8D96-AF99823B5D1C}" type="datetimeFigureOut">
               <a:rPr lang="en-US" smtClean="0"/>
-              <a:t>9/27/2023</a:t>
+              <a:t>10/3/2023</a:t>
             </a:fld>
             <a:endParaRPr lang="en-US"/>
           </a:p>
@@ -2664,7 +2670,7 @@
           <a:p>
             <a:fld id="{6555ACD6-2BC3-46CB-8D96-AF99823B5D1C}" type="datetimeFigureOut">
               <a:rPr lang="en-US" smtClean="0"/>
-              <a:t>9/27/2023</a:t>
+              <a:t>10/3/2023</a:t>
             </a:fld>
             <a:endParaRPr lang="en-US"/>
           </a:p>
@@ -2905,7 +2911,7 @@
           <a:p>
             <a:fld id="{6555ACD6-2BC3-46CB-8D96-AF99823B5D1C}" type="datetimeFigureOut">
               <a:rPr lang="en-US" smtClean="0"/>
-              <a:t>9/27/2023</a:t>
+              <a:t>10/3/2023</a:t>
             </a:fld>
             <a:endParaRPr lang="en-US"/>
           </a:p>
@@ -5253,6 +5259,474 @@
 </p:sld>
 </file>
 
+<file path=ppt/slides/slide3.xml><?xml version="1.0" encoding="utf-8"?>
+<p:sld xmlns:a="http://schemas.openxmlformats.org/drawingml/2006/main" xmlns:r="http://schemas.openxmlformats.org/officeDocument/2006/relationships" xmlns:p="http://schemas.openxmlformats.org/presentationml/2006/main">
+  <p:cSld>
+    <p:spTree>
+      <p:nvGrpSpPr>
+        <p:cNvPr id="1" name=""/>
+        <p:cNvGrpSpPr/>
+        <p:nvPr/>
+      </p:nvGrpSpPr>
+      <p:grpSpPr>
+        <a:xfrm>
+          <a:off x="0" y="0"/>
+          <a:ext cx="0" cy="0"/>
+          <a:chOff x="0" y="0"/>
+          <a:chExt cx="0" cy="0"/>
+        </a:xfrm>
+      </p:grpSpPr>
+      <p:pic>
+        <p:nvPicPr>
+          <p:cNvPr id="7" name="Picture 6">
+            <a:extLst>
+              <a:ext uri="{FF2B5EF4-FFF2-40B4-BE49-F238E27FC236}">
+                <a16:creationId xmlns:a16="http://schemas.microsoft.com/office/drawing/2014/main" id="{F70C2662-D6F0-50BF-D93B-894086A02C01}"/>
+              </a:ext>
+            </a:extLst>
+          </p:cNvPr>
+          <p:cNvPicPr>
+            <a:picLocks noChangeAspect="1"/>
+          </p:cNvPicPr>
+          <p:nvPr/>
+        </p:nvPicPr>
+        <p:blipFill>
+          <a:blip r:embed="rId2"/>
+          <a:stretch>
+            <a:fillRect/>
+          </a:stretch>
+        </p:blipFill>
+        <p:spPr>
+          <a:xfrm>
+            <a:off x="2964413" y="2518555"/>
+            <a:ext cx="5905500" cy="1986769"/>
+          </a:xfrm>
+          <a:prstGeom prst="rect">
+            <a:avLst/>
+          </a:prstGeom>
+        </p:spPr>
+      </p:pic>
+      <p:pic>
+        <p:nvPicPr>
+          <p:cNvPr id="1026" name="Picture 2" descr="Biểu Tượng Vector Bóng Đèn Bóng Đèn Vàng Là Biểu Tượng Của Sự Sáng Tạo Và  Đổi Mới Cô Lập Trên Nền Trắng Hình minh họa Sẵn có - Tải xuống Hình">
+            <a:extLst>
+              <a:ext uri="{FF2B5EF4-FFF2-40B4-BE49-F238E27FC236}">
+                <a16:creationId xmlns:a16="http://schemas.microsoft.com/office/drawing/2014/main" id="{4C071E1A-79BA-1F8B-E0A5-3EBEC2CAF192}"/>
+              </a:ext>
+            </a:extLst>
+          </p:cNvPr>
+          <p:cNvPicPr>
+            <a:picLocks noChangeAspect="1" noChangeArrowheads="1"/>
+          </p:cNvPicPr>
+          <p:nvPr/>
+        </p:nvPicPr>
+        <p:blipFill>
+          <a:blip r:embed="rId3">
+            <a:extLst>
+              <a:ext uri="{28A0092B-C50C-407E-A947-70E740481C1C}">
+                <a14:useLocalDpi xmlns:a14="http://schemas.microsoft.com/office/drawing/2010/main" val="0"/>
+              </a:ext>
+            </a:extLst>
+          </a:blip>
+          <a:srcRect/>
+          <a:stretch>
+            <a:fillRect/>
+          </a:stretch>
+        </p:blipFill>
+        <p:spPr bwMode="auto">
+          <a:xfrm>
+            <a:off x="1416600" y="3035690"/>
+            <a:ext cx="952500" cy="952500"/>
+          </a:xfrm>
+          <a:prstGeom prst="rect">
+            <a:avLst/>
+          </a:prstGeom>
+          <a:noFill/>
+          <a:extLst>
+            <a:ext uri="{909E8E84-426E-40DD-AFC4-6F175D3DCCD1}">
+              <a14:hiddenFill xmlns:a14="http://schemas.microsoft.com/office/drawing/2010/main">
+                <a:solidFill>
+                  <a:srgbClr val="FFFFFF"/>
+                </a:solidFill>
+              </a14:hiddenFill>
+            </a:ext>
+          </a:extLst>
+        </p:spPr>
+      </p:pic>
+      <p:pic>
+        <p:nvPicPr>
+          <p:cNvPr id="1034" name="Picture 10">
+            <a:extLst>
+              <a:ext uri="{FF2B5EF4-FFF2-40B4-BE49-F238E27FC236}">
+                <a16:creationId xmlns:a16="http://schemas.microsoft.com/office/drawing/2014/main" id="{631E7A7A-C8B2-EC73-A60B-B6C26CFB0EA2}"/>
+              </a:ext>
+            </a:extLst>
+          </p:cNvPr>
+          <p:cNvPicPr>
+            <a:picLocks noChangeAspect="1" noChangeArrowheads="1"/>
+          </p:cNvPicPr>
+          <p:nvPr/>
+        </p:nvPicPr>
+        <p:blipFill>
+          <a:blip r:embed="rId4">
+            <a:extLst>
+              <a:ext uri="{28A0092B-C50C-407E-A947-70E740481C1C}">
+                <a14:useLocalDpi xmlns:a14="http://schemas.microsoft.com/office/drawing/2010/main" val="0"/>
+              </a:ext>
+            </a:extLst>
+          </a:blip>
+          <a:srcRect/>
+          <a:stretch>
+            <a:fillRect/>
+          </a:stretch>
+        </p:blipFill>
+        <p:spPr bwMode="auto">
+          <a:xfrm>
+            <a:off x="9536469" y="2252502"/>
+            <a:ext cx="1114424" cy="1114424"/>
+          </a:xfrm>
+          <a:prstGeom prst="rect">
+            <a:avLst/>
+          </a:prstGeom>
+          <a:noFill/>
+          <a:extLst>
+            <a:ext uri="{909E8E84-426E-40DD-AFC4-6F175D3DCCD1}">
+              <a14:hiddenFill xmlns:a14="http://schemas.microsoft.com/office/drawing/2010/main">
+                <a:solidFill>
+                  <a:srgbClr val="FFFFFF"/>
+                </a:solidFill>
+              </a14:hiddenFill>
+            </a:ext>
+          </a:extLst>
+        </p:spPr>
+      </p:pic>
+      <p:pic>
+        <p:nvPicPr>
+          <p:cNvPr id="1036" name="Picture 12" descr="智能陪伴機械人- 智原科技有限公司Intelligent Design Technology Limited">
+            <a:extLst>
+              <a:ext uri="{FF2B5EF4-FFF2-40B4-BE49-F238E27FC236}">
+                <a16:creationId xmlns:a16="http://schemas.microsoft.com/office/drawing/2014/main" id="{F08C208D-19A3-9EBC-A2CA-42DCC95819D6}"/>
+              </a:ext>
+            </a:extLst>
+          </p:cNvPr>
+          <p:cNvPicPr>
+            <a:picLocks noChangeAspect="1" noChangeArrowheads="1"/>
+          </p:cNvPicPr>
+          <p:nvPr/>
+        </p:nvPicPr>
+        <p:blipFill>
+          <a:blip r:embed="rId5">
+            <a:extLst>
+              <a:ext uri="{28A0092B-C50C-407E-A947-70E740481C1C}">
+                <a14:useLocalDpi xmlns:a14="http://schemas.microsoft.com/office/drawing/2010/main" val="0"/>
+              </a:ext>
+            </a:extLst>
+          </a:blip>
+          <a:srcRect/>
+          <a:stretch>
+            <a:fillRect/>
+          </a:stretch>
+        </p:blipFill>
+        <p:spPr bwMode="auto">
+          <a:xfrm>
+            <a:off x="9685759" y="3745607"/>
+            <a:ext cx="1071563" cy="1071563"/>
+          </a:xfrm>
+          <a:prstGeom prst="rect">
+            <a:avLst/>
+          </a:prstGeom>
+          <a:noFill/>
+          <a:extLst>
+            <a:ext uri="{909E8E84-426E-40DD-AFC4-6F175D3DCCD1}">
+              <a14:hiddenFill xmlns:a14="http://schemas.microsoft.com/office/drawing/2010/main">
+                <a:solidFill>
+                  <a:srgbClr val="FFFFFF"/>
+                </a:solidFill>
+              </a14:hiddenFill>
+            </a:ext>
+          </a:extLst>
+        </p:spPr>
+      </p:pic>
+      <p:cxnSp>
+        <p:nvCxnSpPr>
+          <p:cNvPr id="11" name="Straight Arrow Connector 10">
+            <a:extLst>
+              <a:ext uri="{FF2B5EF4-FFF2-40B4-BE49-F238E27FC236}">
+                <a16:creationId xmlns:a16="http://schemas.microsoft.com/office/drawing/2014/main" id="{169DE981-82F6-AC81-317E-2664F1503FBE}"/>
+              </a:ext>
+            </a:extLst>
+          </p:cNvPr>
+          <p:cNvCxnSpPr>
+            <a:stCxn id="1026" idx="3"/>
+            <a:endCxn id="7" idx="1"/>
+          </p:cNvCxnSpPr>
+          <p:nvPr/>
+        </p:nvCxnSpPr>
+        <p:spPr>
+          <a:xfrm>
+            <a:off x="2369100" y="3511940"/>
+            <a:ext cx="595313" cy="0"/>
+          </a:xfrm>
+          <a:prstGeom prst="straightConnector1">
+            <a:avLst/>
+          </a:prstGeom>
+          <a:ln>
+            <a:tailEnd type="triangle"/>
+          </a:ln>
+        </p:spPr>
+        <p:style>
+          <a:lnRef idx="3">
+            <a:schemeClr val="accent1"/>
+          </a:lnRef>
+          <a:fillRef idx="0">
+            <a:schemeClr val="accent1"/>
+          </a:fillRef>
+          <a:effectRef idx="2">
+            <a:schemeClr val="accent1"/>
+          </a:effectRef>
+          <a:fontRef idx="minor">
+            <a:schemeClr val="tx1"/>
+          </a:fontRef>
+        </p:style>
+      </p:cxnSp>
+      <p:cxnSp>
+        <p:nvCxnSpPr>
+          <p:cNvPr id="13" name="Straight Arrow Connector 12">
+            <a:extLst>
+              <a:ext uri="{FF2B5EF4-FFF2-40B4-BE49-F238E27FC236}">
+                <a16:creationId xmlns:a16="http://schemas.microsoft.com/office/drawing/2014/main" id="{D83DC9C1-4929-7F42-E0DC-F73BC6310681}"/>
+              </a:ext>
+            </a:extLst>
+          </p:cNvPr>
+          <p:cNvCxnSpPr>
+            <a:cxnSpLocks/>
+            <a:stCxn id="7" idx="3"/>
+          </p:cNvCxnSpPr>
+          <p:nvPr/>
+        </p:nvCxnSpPr>
+        <p:spPr>
+          <a:xfrm flipV="1">
+            <a:off x="8869913" y="3144416"/>
+            <a:ext cx="563919" cy="367524"/>
+          </a:xfrm>
+          <a:prstGeom prst="straightConnector1">
+            <a:avLst/>
+          </a:prstGeom>
+          <a:ln>
+            <a:tailEnd type="triangle"/>
+          </a:ln>
+        </p:spPr>
+        <p:style>
+          <a:lnRef idx="3">
+            <a:schemeClr val="accent1"/>
+          </a:lnRef>
+          <a:fillRef idx="0">
+            <a:schemeClr val="accent1"/>
+          </a:fillRef>
+          <a:effectRef idx="2">
+            <a:schemeClr val="accent1"/>
+          </a:effectRef>
+          <a:fontRef idx="minor">
+            <a:schemeClr val="tx1"/>
+          </a:fontRef>
+        </p:style>
+      </p:cxnSp>
+      <p:cxnSp>
+        <p:nvCxnSpPr>
+          <p:cNvPr id="16" name="Straight Arrow Connector 15">
+            <a:extLst>
+              <a:ext uri="{FF2B5EF4-FFF2-40B4-BE49-F238E27FC236}">
+                <a16:creationId xmlns:a16="http://schemas.microsoft.com/office/drawing/2014/main" id="{A96E1C27-B715-B22C-B8FF-BB3287178DEE}"/>
+              </a:ext>
+            </a:extLst>
+          </p:cNvPr>
+          <p:cNvCxnSpPr>
+            <a:stCxn id="7" idx="3"/>
+            <a:endCxn id="1036" idx="1"/>
+          </p:cNvCxnSpPr>
+          <p:nvPr/>
+        </p:nvCxnSpPr>
+        <p:spPr>
+          <a:xfrm>
+            <a:off x="8869913" y="3511940"/>
+            <a:ext cx="815846" cy="769449"/>
+          </a:xfrm>
+          <a:prstGeom prst="straightConnector1">
+            <a:avLst/>
+          </a:prstGeom>
+          <a:ln>
+            <a:tailEnd type="triangle"/>
+          </a:ln>
+        </p:spPr>
+        <p:style>
+          <a:lnRef idx="3">
+            <a:schemeClr val="accent1"/>
+          </a:lnRef>
+          <a:fillRef idx="0">
+            <a:schemeClr val="accent1"/>
+          </a:fillRef>
+          <a:effectRef idx="2">
+            <a:schemeClr val="accent1"/>
+          </a:effectRef>
+          <a:fontRef idx="minor">
+            <a:schemeClr val="tx1"/>
+          </a:fontRef>
+        </p:style>
+      </p:cxnSp>
+      <p:sp>
+        <p:nvSpPr>
+          <p:cNvPr id="21" name="TextBox 20">
+            <a:extLst>
+              <a:ext uri="{FF2B5EF4-FFF2-40B4-BE49-F238E27FC236}">
+                <a16:creationId xmlns:a16="http://schemas.microsoft.com/office/drawing/2014/main" id="{8DFD1006-E4CD-6E3F-452E-A5EF02CE4BB3}"/>
+              </a:ext>
+            </a:extLst>
+          </p:cNvPr>
+          <p:cNvSpPr txBox="1"/>
+          <p:nvPr/>
+        </p:nvSpPr>
+        <p:spPr>
+          <a:xfrm>
+            <a:off x="1180552" y="3932210"/>
+            <a:ext cx="1647695" cy="369332"/>
+          </a:xfrm>
+          <a:prstGeom prst="rect">
+            <a:avLst/>
+          </a:prstGeom>
+          <a:noFill/>
+        </p:spPr>
+        <p:txBody>
+          <a:bodyPr wrap="none" rtlCol="0">
+            <a:spAutoFit/>
+            <a:scene3d>
+              <a:camera prst="orthographicFront"/>
+              <a:lightRig rig="soft" dir="t">
+                <a:rot lat="0" lon="0" rev="15600000"/>
+              </a:lightRig>
+            </a:scene3d>
+            <a:sp3d extrusionH="57150" prstMaterial="softEdge">
+              <a:bevelT w="25400" h="38100"/>
+            </a:sp3d>
+          </a:bodyPr>
+          <a:lstStyle/>
+          <a:p>
+            <a:r>
+              <a:rPr lang="en-US">
+                <a:ln w="0"/>
+                <a:effectLst>
+                  <a:outerShdw blurRad="38100" dist="19050" dir="2700000" algn="tl" rotWithShape="0">
+                    <a:schemeClr val="dk1">
+                      <a:alpha val="40000"/>
+                    </a:schemeClr>
+                  </a:outerShdw>
+                </a:effectLst>
+              </a:rPr>
+              <a:t>Idea &amp; problem</a:t>
+            </a:r>
+          </a:p>
+        </p:txBody>
+      </p:sp>
+      <p:sp>
+        <p:nvSpPr>
+          <p:cNvPr id="22" name="TextBox 21">
+            <a:extLst>
+              <a:ext uri="{FF2B5EF4-FFF2-40B4-BE49-F238E27FC236}">
+                <a16:creationId xmlns:a16="http://schemas.microsoft.com/office/drawing/2014/main" id="{03A23AEE-7254-6554-1F31-430364C365CD}"/>
+              </a:ext>
+            </a:extLst>
+          </p:cNvPr>
+          <p:cNvSpPr txBox="1"/>
+          <p:nvPr/>
+        </p:nvSpPr>
+        <p:spPr>
+          <a:xfrm>
+            <a:off x="10753530" y="2666358"/>
+            <a:ext cx="726353" cy="369332"/>
+          </a:xfrm>
+          <a:prstGeom prst="rect">
+            <a:avLst/>
+          </a:prstGeom>
+          <a:noFill/>
+        </p:spPr>
+        <p:txBody>
+          <a:bodyPr wrap="none" rtlCol="0">
+            <a:spAutoFit/>
+          </a:bodyPr>
+          <a:lstStyle/>
+          <a:p>
+            <a:r>
+              <a:rPr lang="en-US">
+                <a:ln w="0"/>
+                <a:effectLst>
+                  <a:outerShdw blurRad="38100" dist="19050" dir="2700000" algn="tl" rotWithShape="0">
+                    <a:schemeClr val="dk1">
+                      <a:alpha val="40000"/>
+                    </a:schemeClr>
+                  </a:outerShdw>
+                </a:effectLst>
+              </a:rPr>
+              <a:t>Paper</a:t>
+            </a:r>
+          </a:p>
+        </p:txBody>
+      </p:sp>
+      <p:sp>
+        <p:nvSpPr>
+          <p:cNvPr id="23" name="TextBox 22">
+            <a:extLst>
+              <a:ext uri="{FF2B5EF4-FFF2-40B4-BE49-F238E27FC236}">
+                <a16:creationId xmlns:a16="http://schemas.microsoft.com/office/drawing/2014/main" id="{C252375B-7661-471C-6D74-14EED08625F2}"/>
+              </a:ext>
+            </a:extLst>
+          </p:cNvPr>
+          <p:cNvSpPr txBox="1"/>
+          <p:nvPr/>
+        </p:nvSpPr>
+        <p:spPr>
+          <a:xfrm>
+            <a:off x="10893488" y="4112018"/>
+            <a:ext cx="919932" cy="369332"/>
+          </a:xfrm>
+          <a:prstGeom prst="rect">
+            <a:avLst/>
+          </a:prstGeom>
+          <a:noFill/>
+        </p:spPr>
+        <p:txBody>
+          <a:bodyPr wrap="none" rtlCol="0">
+            <a:spAutoFit/>
+          </a:bodyPr>
+          <a:lstStyle/>
+          <a:p>
+            <a:r>
+              <a:rPr lang="en-US">
+                <a:ln w="0"/>
+                <a:effectLst>
+                  <a:outerShdw blurRad="38100" dist="19050" dir="2700000" algn="tl" rotWithShape="0">
+                    <a:schemeClr val="dk1">
+                      <a:alpha val="40000"/>
+                    </a:schemeClr>
+                  </a:outerShdw>
+                </a:effectLst>
+              </a:rPr>
+              <a:t>Product</a:t>
+            </a:r>
+          </a:p>
+        </p:txBody>
+      </p:sp>
+    </p:spTree>
+    <p:extLst>
+      <p:ext uri="{BB962C8B-B14F-4D97-AF65-F5344CB8AC3E}">
+        <p14:creationId xmlns:p14="http://schemas.microsoft.com/office/powerpoint/2010/main" val="2671220706"/>
+      </p:ext>
+    </p:extLst>
+  </p:cSld>
+  <p:clrMapOvr>
+    <a:masterClrMapping/>
+  </p:clrMapOvr>
+</p:sld>
+</file>
+
 <file path=ppt/theme/theme1.xml><?xml version="1.0" encoding="utf-8"?>
 <a:theme xmlns:a="http://schemas.openxmlformats.org/drawingml/2006/main" name="Office Theme">
   <a:themeElements>
